--- a/documentation/documentation.pptx
+++ b/documentation/documentation.pptx
@@ -5,11 +5,13 @@
     <p:sldMasterId id="2147483648" r:id="rId1"/>
   </p:sldMasterIdLst>
   <p:notesMasterIdLst>
-    <p:notesMasterId r:id="rId6"/>
+    <p:notesMasterId r:id="rId8"/>
   </p:notesMasterIdLst>
   <p:sldIdLst>
     <p:sldId id="256" r:id="rId4"/>
     <p:sldId id="257" r:id="rId5"/>
+    <p:sldId id="258" r:id="rId6"/>
+    <p:sldId id="259" r:id="rId7"/>
   </p:sldIdLst>
   <p:sldSz cx="12192000" cy="6858000"/>
   <p:notesSz cx="6858000" cy="9144000"/>
@@ -645,6 +647,170 @@
               <a:defRPr/>
             </a:pPr>
             <a:fld id="{DD73C3F7-D14E-2493-89CA-F0BBFD55C8F8}" type="slidenum">
+              <a:rPr/>
+              <a:t/>
+            </a:fld>
+            <a:endParaRPr/>
+          </a:p>
+        </p:txBody>
+      </p:sp>
+    </p:spTree>
+  </p:cSld>
+</p:notes>
+</file>
+
+<file path=ppt/notesSlides/notesSlide3.xml><?xml version="1.0" encoding="utf-8"?>
+<p:notes xmlns:a="http://schemas.openxmlformats.org/drawingml/2006/main" xmlns:r="http://schemas.openxmlformats.org/officeDocument/2006/relationships" xmlns:p="http://schemas.openxmlformats.org/presentationml/2006/main" xmlns:m="http://schemas.openxmlformats.org/officeDocument/2006/math" xmlns:w="http://schemas.openxmlformats.org/wordprocessingml/2006/main">
+  <p:cSld name="">
+    <p:spTree>
+      <p:nvGrpSpPr>
+        <p:cNvPr id="1" name=""/>
+        <p:cNvGrpSpPr/>
+        <p:nvPr/>
+      </p:nvGrpSpPr>
+      <p:grpSpPr bwMode="auto">
+        <a:xfrm>
+          <a:off x="0" y="0"/>
+          <a:ext cx="0" cy="0"/>
+          <a:chOff x="0" y="0"/>
+          <a:chExt cx="0" cy="0"/>
+        </a:xfrm>
+      </p:grpSpPr>
+      <p:sp>
+        <p:nvSpPr>
+          <p:cNvPr id="2" name="Slide Image Placeholder 1"/>
+          <p:cNvSpPr>
+            <a:spLocks noChangeAspect="1" noGrp="1" noRot="1"/>
+          </p:cNvSpPr>
+          <p:nvPr>
+            <p:ph type="sldImg"/>
+          </p:nvPr>
+        </p:nvSpPr>
+        <p:spPr bwMode="auto"/>
+      </p:sp>
+      <p:sp>
+        <p:nvSpPr>
+          <p:cNvPr id="3" name="Notes Placeholder 2"/>
+          <p:cNvSpPr>
+            <a:spLocks noGrp="1"/>
+          </p:cNvSpPr>
+          <p:nvPr>
+            <p:ph type="body" idx="1"/>
+          </p:nvPr>
+        </p:nvSpPr>
+        <p:spPr bwMode="auto"/>
+        <p:txBody>
+          <a:bodyPr/>
+          <a:lstStyle/>
+          <a:p>
+            <a:pPr>
+              <a:defRPr/>
+            </a:pPr>
+            <a:endParaRPr/>
+          </a:p>
+        </p:txBody>
+      </p:sp>
+      <p:sp>
+        <p:nvSpPr>
+          <p:cNvPr id="4" name="Slide Number Placeholder 3"/>
+          <p:cNvSpPr>
+            <a:spLocks noGrp="1"/>
+          </p:cNvSpPr>
+          <p:nvPr>
+            <p:ph type="sldNum" sz="quarter" idx="10"/>
+          </p:nvPr>
+        </p:nvSpPr>
+        <p:spPr bwMode="auto"/>
+        <p:txBody>
+          <a:bodyPr/>
+          <a:lstStyle/>
+          <a:p>
+            <a:pPr>
+              <a:defRPr/>
+            </a:pPr>
+            <a:fld id="{02CDB30B-9D5E-3DD0-6A55-6450150A3C3B}" type="slidenum">
+              <a:rPr/>
+              <a:t/>
+            </a:fld>
+            <a:endParaRPr/>
+          </a:p>
+        </p:txBody>
+      </p:sp>
+    </p:spTree>
+  </p:cSld>
+</p:notes>
+</file>
+
+<file path=ppt/notesSlides/notesSlide4.xml><?xml version="1.0" encoding="utf-8"?>
+<p:notes xmlns:a="http://schemas.openxmlformats.org/drawingml/2006/main" xmlns:r="http://schemas.openxmlformats.org/officeDocument/2006/relationships" xmlns:p="http://schemas.openxmlformats.org/presentationml/2006/main" xmlns:m="http://schemas.openxmlformats.org/officeDocument/2006/math" xmlns:w="http://schemas.openxmlformats.org/wordprocessingml/2006/main">
+  <p:cSld name="">
+    <p:spTree>
+      <p:nvGrpSpPr>
+        <p:cNvPr id="1" name=""/>
+        <p:cNvGrpSpPr/>
+        <p:nvPr/>
+      </p:nvGrpSpPr>
+      <p:grpSpPr bwMode="auto">
+        <a:xfrm>
+          <a:off x="0" y="0"/>
+          <a:ext cx="0" cy="0"/>
+          <a:chOff x="0" y="0"/>
+          <a:chExt cx="0" cy="0"/>
+        </a:xfrm>
+      </p:grpSpPr>
+      <p:sp>
+        <p:nvSpPr>
+          <p:cNvPr id="2" name="Slide Image Placeholder 1"/>
+          <p:cNvSpPr>
+            <a:spLocks noChangeAspect="1" noGrp="1" noRot="1"/>
+          </p:cNvSpPr>
+          <p:nvPr>
+            <p:ph type="sldImg"/>
+          </p:nvPr>
+        </p:nvSpPr>
+        <p:spPr bwMode="auto"/>
+      </p:sp>
+      <p:sp>
+        <p:nvSpPr>
+          <p:cNvPr id="3" name="Notes Placeholder 2"/>
+          <p:cNvSpPr>
+            <a:spLocks noGrp="1"/>
+          </p:cNvSpPr>
+          <p:nvPr>
+            <p:ph type="body" idx="1"/>
+          </p:nvPr>
+        </p:nvSpPr>
+        <p:spPr bwMode="auto"/>
+        <p:txBody>
+          <a:bodyPr/>
+          <a:lstStyle/>
+          <a:p>
+            <a:pPr>
+              <a:defRPr/>
+            </a:pPr>
+            <a:endParaRPr/>
+          </a:p>
+        </p:txBody>
+      </p:sp>
+      <p:sp>
+        <p:nvSpPr>
+          <p:cNvPr id="4" name="Slide Number Placeholder 3"/>
+          <p:cNvSpPr>
+            <a:spLocks noGrp="1"/>
+          </p:cNvSpPr>
+          <p:nvPr>
+            <p:ph type="sldNum" sz="quarter" idx="10"/>
+          </p:nvPr>
+        </p:nvSpPr>
+        <p:spPr bwMode="auto"/>
+        <p:txBody>
+          <a:bodyPr/>
+          <a:lstStyle/>
+          <a:p>
+            <a:pPr>
+              <a:defRPr/>
+            </a:pPr>
+            <a:fld id="{F161CABB-55C0-2049-E2BE-2C9FED94AABC}" type="slidenum">
               <a:rPr/>
               <a:t/>
             </a:fld>
@@ -4068,9 +4234,9 @@
           <p:nvPr/>
         </p:nvSpPr>
         <p:spPr bwMode="auto">
-          <a:xfrm rot="5399978" flipH="0" flipV="0">
+          <a:xfrm rot="5399977" flipH="0" flipV="0">
             <a:off x="1505896" y="2439509"/>
-            <a:ext cx="490121" cy="342159"/>
+            <a:ext cx="490121" cy="342158"/>
           </a:xfrm>
           <a:prstGeom prst="rightArrow">
             <a:avLst>
@@ -4118,9 +4284,9 @@
           <p:nvPr/>
         </p:nvSpPr>
         <p:spPr bwMode="auto">
-          <a:xfrm rot="5399978" flipH="0" flipV="0">
+          <a:xfrm rot="5399977" flipH="0" flipV="0">
             <a:off x="1487215" y="3578810"/>
-            <a:ext cx="490120" cy="342159"/>
+            <a:ext cx="490120" cy="342158"/>
           </a:xfrm>
           <a:prstGeom prst="rightArrow">
             <a:avLst>
@@ -4168,9 +4334,9 @@
           <p:nvPr/>
         </p:nvSpPr>
         <p:spPr bwMode="auto">
-          <a:xfrm rot="5399978" flipH="0" flipV="0">
+          <a:xfrm rot="5399977" flipH="0" flipV="0">
             <a:off x="1417674" y="4831671"/>
-            <a:ext cx="490120" cy="342159"/>
+            <a:ext cx="490120" cy="342158"/>
           </a:xfrm>
           <a:prstGeom prst="rightArrow">
             <a:avLst>
@@ -4482,7 +4648,7 @@
         </p:nvSpPr>
         <p:spPr bwMode="auto">
           <a:xfrm flipH="0" flipV="0">
-            <a:off x="3625624" y="2566015"/>
+            <a:off x="3625624" y="2566014"/>
             <a:ext cx="1567648" cy="813785"/>
           </a:xfrm>
           <a:prstGeom prst="flowChartProcess">
@@ -4536,9 +4702,9 @@
           <p:nvPr/>
         </p:nvSpPr>
         <p:spPr bwMode="auto">
-          <a:xfrm rot="5399978" flipH="0" flipV="0">
+          <a:xfrm rot="5399977" flipH="0" flipV="0">
             <a:off x="4216728" y="2340930"/>
-            <a:ext cx="385439" cy="342159"/>
+            <a:ext cx="385439" cy="342158"/>
           </a:xfrm>
           <a:prstGeom prst="rightArrow">
             <a:avLst>
@@ -4641,9 +4807,9 @@
           <p:nvPr/>
         </p:nvSpPr>
         <p:spPr bwMode="auto">
-          <a:xfrm rot="5399978" flipH="0" flipV="0">
+          <a:xfrm rot="5399977" flipH="0" flipV="0">
             <a:off x="4233004" y="3333750"/>
-            <a:ext cx="385438" cy="342159"/>
+            <a:ext cx="385438" cy="342158"/>
           </a:xfrm>
           <a:prstGeom prst="rightArrow">
             <a:avLst>
@@ -4691,9 +4857,9 @@
           <p:nvPr/>
         </p:nvSpPr>
         <p:spPr bwMode="auto">
-          <a:xfrm rot="5399978" flipH="0" flipV="0">
+          <a:xfrm rot="5399977" flipH="0" flipV="0">
             <a:off x="4216728" y="4309183"/>
-            <a:ext cx="385438" cy="342159"/>
+            <a:ext cx="385438" cy="342158"/>
           </a:xfrm>
           <a:prstGeom prst="rightArrow">
             <a:avLst>
@@ -5051,9 +5217,9 @@
           <p:nvPr/>
         </p:nvSpPr>
         <p:spPr bwMode="auto">
-          <a:xfrm rot="5399978" flipH="0" flipV="0">
+          <a:xfrm rot="5399977" flipH="0" flipV="0">
             <a:off x="7019668" y="4947450"/>
-            <a:ext cx="490120" cy="342159"/>
+            <a:ext cx="490120" cy="342158"/>
           </a:xfrm>
           <a:prstGeom prst="rightArrow">
             <a:avLst>
@@ -5171,9 +5337,9 @@
           <p:nvPr/>
         </p:nvSpPr>
         <p:spPr bwMode="auto">
-          <a:xfrm rot="5399978" flipH="0" flipV="0">
+          <a:xfrm rot="5399977" flipH="0" flipV="0">
             <a:off x="3568382" y="5439052"/>
-            <a:ext cx="385438" cy="342159"/>
+            <a:ext cx="385438" cy="342158"/>
           </a:xfrm>
           <a:prstGeom prst="rightArrow">
             <a:avLst>
@@ -5221,9 +5387,9 @@
           <p:nvPr/>
         </p:nvSpPr>
         <p:spPr bwMode="auto">
-          <a:xfrm rot="5399978" flipH="0" flipV="0">
+          <a:xfrm rot="5399977" flipH="0" flipV="0">
             <a:off x="4829473" y="5439052"/>
-            <a:ext cx="385438" cy="342159"/>
+            <a:ext cx="385438" cy="342158"/>
           </a:xfrm>
           <a:prstGeom prst="rightArrow">
             <a:avLst>
@@ -5426,6 +5592,1754 @@
               <a:t>Serialisation</a:t>
             </a:r>
             <a:endParaRPr sz="2200"/>
+          </a:p>
+        </p:txBody>
+      </p:sp>
+    </p:spTree>
+  </p:cSld>
+  <p:clrMapOvr>
+    <a:masterClrMapping/>
+  </p:clrMapOvr>
+  <mc:AlternateContent xmlns:mc="http://schemas.openxmlformats.org/markup-compatibility/2006">
+    <mc:Choice xmlns:p159="http://schemas.microsoft.com/office/powerpoint/2015/09/main" xmlns:p14="http://schemas.microsoft.com/office/powerpoint/2010/main" Requires="p159">
+      <p:transition p14:dur="2000" advClick="1"/>
+    </mc:Choice>
+    <mc:Fallback>
+      <p:transition advClick="1"/>
+    </mc:Fallback>
+  </mc:AlternateContent>
+</p:sld>
+</file>
+
+<file path=ppt/slides/slide3.xml><?xml version="1.0" encoding="utf-8"?>
+<p:sld xmlns:a="http://schemas.openxmlformats.org/drawingml/2006/main" xmlns:r="http://schemas.openxmlformats.org/officeDocument/2006/relationships" xmlns:p="http://schemas.openxmlformats.org/presentationml/2006/main" xmlns:m="http://schemas.openxmlformats.org/officeDocument/2006/math" xmlns:w="http://schemas.openxmlformats.org/wordprocessingml/2006/main" xmlns:mc="http://schemas.openxmlformats.org/markup-compatibility/2006" showMasterPhAnim="0" showMasterSp="1" show="1">
+  <p:cSld name="">
+    <p:spTree>
+      <p:nvGrpSpPr>
+        <p:cNvPr id="1" name=""/>
+        <p:cNvGrpSpPr/>
+        <p:nvPr/>
+      </p:nvGrpSpPr>
+      <p:grpSpPr bwMode="auto">
+        <a:xfrm>
+          <a:off x="0" y="0"/>
+          <a:ext cx="0" cy="0"/>
+          <a:chOff x="0" y="0"/>
+          <a:chExt cx="0" cy="0"/>
+        </a:xfrm>
+      </p:grpSpPr>
+      <p:sp>
+        <p:nvSpPr>
+          <p:cNvPr id="585308781" name="Titre 1"/>
+          <p:cNvSpPr>
+            <a:spLocks noGrp="1"/>
+          </p:cNvSpPr>
+          <p:nvPr>
+            <p:ph type="title"/>
+          </p:nvPr>
+        </p:nvSpPr>
+        <p:spPr bwMode="auto"/>
+        <p:txBody>
+          <a:bodyPr/>
+          <a:lstStyle/>
+          <a:p>
+            <a:pPr>
+              <a:defRPr/>
+            </a:pPr>
+            <a:r>
+              <a:rPr/>
+              <a:t>Sous-parties de Rameau</a:t>
+            </a:r>
+            <a:endParaRPr/>
+          </a:p>
+        </p:txBody>
+      </p:sp>
+      <p:sp>
+        <p:nvSpPr>
+          <p:cNvPr id="822066554" name="Espace réservé du contenu 2"/>
+          <p:cNvSpPr>
+            <a:spLocks noGrp="1"/>
+          </p:cNvSpPr>
+          <p:nvPr>
+            <p:ph idx="1"/>
+          </p:nvPr>
+        </p:nvSpPr>
+        <p:spPr bwMode="auto"/>
+        <p:txBody>
+          <a:bodyPr vertOverflow="overflow" horzOverflow="overflow" vert="horz" wrap="square" lIns="91440" tIns="45720" rIns="91440" bIns="45720" numCol="1" spcCol="0" rtlCol="0" fromWordArt="0" anchor="t" anchorCtr="0" forceAA="0" upright="0" compatLnSpc="0">
+            <a:normAutofit fontScale="60000" lnSpcReduction="8000"/>
+          </a:bodyPr>
+          <a:lstStyle/>
+          <a:p>
+            <a:pPr>
+              <a:defRPr/>
+            </a:pPr>
+            <a:r>
+              <a:rPr lang="fr-FR" sz="2800" b="0" i="0" u="sng" strike="noStrike" cap="none" spc="0">
+                <a:solidFill>
+                  <a:schemeClr val="tx1"/>
+                </a:solidFill>
+                <a:latin typeface="Arial"/>
+                <a:ea typeface="Arial"/>
+                <a:cs typeface="Arial"/>
+                <a:hlinkClick r:id="rId3" tooltip="https://data.bnf.fr/vocabulary/rameau/r166"/>
+              </a:rPr>
+              <a:t>https://data.bnf.fr/vocabulary/rameau/r166</a:t>
+            </a:r>
+            <a:r>
+              <a:rPr/>
+              <a:t> (</a:t>
+            </a:r>
+            <a:r>
+              <a:rPr lang="fr-FR" sz="2000" b="0" i="0" u="none" strike="noStrike" cap="none" spc="0">
+                <a:solidFill>
+                  <a:schemeClr val="tx1"/>
+                </a:solidFill>
+                <a:latin typeface="Arial"/>
+                <a:ea typeface="Arial"/>
+                <a:cs typeface="Arial"/>
+              </a:rPr>
+              <a:t>130303</a:t>
+            </a:r>
+            <a:r>
+              <a:rPr/>
+              <a:t> concepts) : </a:t>
+            </a:r>
+            <a:r>
+              <a:rPr sz="2400" b="1" i="0" u="none">
+                <a:solidFill>
+                  <a:srgbClr val="000000"/>
+                </a:solidFill>
+                <a:latin typeface="Times New Roman"/>
+                <a:ea typeface="Times New Roman"/>
+                <a:cs typeface="Times New Roman"/>
+              </a:rPr>
+              <a:t>Noms communs (et noms de peuples, de batailles, etc.)</a:t>
+            </a:r>
+            <a:endParaRPr sz="2400" b="1" i="0" u="none">
+              <a:solidFill>
+                <a:srgbClr val="000000"/>
+              </a:solidFill>
+              <a:latin typeface="Times New Roman"/>
+              <a:ea typeface="Times New Roman"/>
+              <a:cs typeface="Times New Roman"/>
+            </a:endParaRPr>
+          </a:p>
+          <a:p>
+            <a:pPr marL="228600" marR="0" indent="-228600" algn="l">
+              <a:lnSpc>
+                <a:spcPct val="82000"/>
+              </a:lnSpc>
+              <a:spcBef>
+                <a:spcPts val="999"/>
+              </a:spcBef>
+              <a:spcAft>
+                <a:spcPts val="0"/>
+              </a:spcAft>
+              <a:buFont typeface="Arial"/>
+              <a:buChar char="•"/>
+              <a:defRPr/>
+            </a:pPr>
+            <a:r>
+              <a:rPr lang="fr-FR" sz="1700" b="0" i="0" u="sng" strike="noStrike" cap="none" spc="0">
+                <a:solidFill>
+                  <a:schemeClr val="tx1"/>
+                </a:solidFill>
+                <a:latin typeface="Arial"/>
+                <a:ea typeface="Arial"/>
+                <a:cs typeface="Arial"/>
+                <a:hlinkClick r:id="rId4" tooltip="https://data.bnf.fr/vocabulary/rameau/r167"/>
+              </a:rPr>
+              <a:t>https://data.bnf.fr/vocabulary/rameau/r167</a:t>
+            </a:r>
+            <a:r>
+              <a:rPr sz="2400" b="1" i="0" u="none">
+                <a:solidFill>
+                  <a:srgbClr val="000000"/>
+                </a:solidFill>
+                <a:latin typeface="Times New Roman"/>
+                <a:ea typeface="Times New Roman"/>
+                <a:cs typeface="Times New Roman"/>
+              </a:rPr>
+              <a:t> (</a:t>
+            </a:r>
+            <a:r>
+              <a:rPr lang="fr-FR" sz="1400" b="1" i="0" u="none" strike="noStrike" cap="none" spc="0">
+                <a:solidFill>
+                  <a:srgbClr val="000000"/>
+                </a:solidFill>
+                <a:latin typeface="Times New Roman"/>
+                <a:ea typeface="Times New Roman"/>
+                <a:cs typeface="Times New Roman"/>
+              </a:rPr>
+              <a:t>67179</a:t>
+            </a:r>
+            <a:r>
+              <a:rPr sz="2400" b="1" i="0" u="none">
+                <a:solidFill>
+                  <a:srgbClr val="000000"/>
+                </a:solidFill>
+                <a:latin typeface="Times New Roman"/>
+                <a:ea typeface="Times New Roman"/>
+                <a:cs typeface="Times New Roman"/>
+              </a:rPr>
+              <a:t> </a:t>
+            </a:r>
+            <a:r>
+              <a:rPr lang="fr-FR" sz="2400" b="0" i="0" u="none" strike="noStrike" cap="none" spc="0">
+                <a:solidFill>
+                  <a:schemeClr val="tx1"/>
+                </a:solidFill>
+                <a:latin typeface="+mn-lt"/>
+                <a:ea typeface="+mn-ea"/>
+                <a:cs typeface="+mn-cs"/>
+              </a:rPr>
+              <a:t>concepts</a:t>
+            </a:r>
+            <a:r>
+              <a:rPr sz="2400" b="1" i="0" u="none">
+                <a:solidFill>
+                  <a:srgbClr val="000000"/>
+                </a:solidFill>
+                <a:latin typeface="Times New Roman"/>
+                <a:ea typeface="Times New Roman"/>
+                <a:cs typeface="Times New Roman"/>
+              </a:rPr>
+              <a:t>) : </a:t>
+            </a:r>
+            <a:r>
+              <a:rPr sz="2400" b="1" i="0" u="none">
+                <a:solidFill>
+                  <a:srgbClr val="000000"/>
+                </a:solidFill>
+                <a:latin typeface="Times New Roman"/>
+                <a:ea typeface="Times New Roman"/>
+                <a:cs typeface="Times New Roman"/>
+              </a:rPr>
+              <a:t>Noms géographiques</a:t>
+            </a:r>
+            <a:endParaRPr/>
+          </a:p>
+          <a:p>
+            <a:pPr>
+              <a:defRPr/>
+            </a:pPr>
+            <a:r>
+              <a:rPr lang="fr-FR" sz="2800" b="0" i="0" u="sng" strike="noStrike" cap="none" spc="0">
+                <a:solidFill>
+                  <a:schemeClr val="tx1"/>
+                </a:solidFill>
+                <a:latin typeface="Arial"/>
+                <a:ea typeface="Arial"/>
+                <a:cs typeface="Arial"/>
+                <a:hlinkClick r:id="rId5" tooltip="https://data.bnf.fr/vocabulary/rameau/r160"/>
+              </a:rPr>
+              <a:t>https://data.bnf.fr/vocabulary/rameau/r160</a:t>
+            </a:r>
+            <a:r>
+              <a:rPr/>
+              <a:t> (</a:t>
+            </a:r>
+            <a:r>
+              <a:rPr lang="fr-FR" sz="1800" b="0" i="0" u="none" strike="noStrike" cap="none" spc="0">
+                <a:solidFill>
+                  <a:schemeClr val="tx1"/>
+                </a:solidFill>
+                <a:latin typeface="Arial"/>
+                <a:ea typeface="Arial"/>
+                <a:cs typeface="Arial"/>
+              </a:rPr>
+              <a:t>3558</a:t>
+            </a:r>
+            <a:r>
+              <a:rPr/>
+              <a:t> </a:t>
+            </a:r>
+            <a:r>
+              <a:rPr lang="fr-FR" sz="2800" b="0" i="0" u="none" strike="noStrike" cap="none" spc="0">
+                <a:solidFill>
+                  <a:schemeClr val="tx1"/>
+                </a:solidFill>
+                <a:latin typeface="+mn-lt"/>
+                <a:ea typeface="+mn-ea"/>
+                <a:cs typeface="+mn-cs"/>
+              </a:rPr>
+              <a:t>concepts</a:t>
+            </a:r>
+            <a:r>
+              <a:rPr/>
+              <a:t>) : </a:t>
+            </a:r>
+            <a:r>
+              <a:rPr sz="2400" b="1" i="0" u="none">
+                <a:solidFill>
+                  <a:srgbClr val="000000"/>
+                </a:solidFill>
+                <a:latin typeface="Times New Roman"/>
+                <a:ea typeface="Times New Roman"/>
+                <a:cs typeface="Times New Roman"/>
+              </a:rPr>
+              <a:t>Personnages fictifs, mythologiques ou légendaires, divinités</a:t>
+            </a:r>
+            <a:endParaRPr/>
+          </a:p>
+          <a:p>
+            <a:pPr>
+              <a:defRPr/>
+            </a:pPr>
+            <a:r>
+              <a:rPr lang="fr-FR" sz="2800" b="0" i="0" u="sng" strike="noStrike" cap="none" spc="0">
+                <a:solidFill>
+                  <a:schemeClr val="tx1"/>
+                </a:solidFill>
+                <a:latin typeface="Arial"/>
+                <a:ea typeface="Arial"/>
+                <a:cs typeface="Arial"/>
+                <a:hlinkClick r:id="rId6" tooltip="https://data.bnf.fr/vocabulary/rameau/r161"/>
+              </a:rPr>
+              <a:t>https://data.bnf.fr/vocabulary/rameau/r161</a:t>
+            </a:r>
+            <a:r>
+              <a:rPr/>
+              <a:t> (</a:t>
+            </a:r>
+            <a:r>
+              <a:rPr lang="fr-FR" sz="1800" b="0" i="0" u="none" strike="noStrike" cap="none" spc="0">
+                <a:solidFill>
+                  <a:schemeClr val="tx1"/>
+                </a:solidFill>
+                <a:latin typeface="Arial"/>
+                <a:ea typeface="Arial"/>
+                <a:cs typeface="Arial"/>
+              </a:rPr>
+              <a:t>7590</a:t>
+            </a:r>
+            <a:r>
+              <a:rPr/>
+              <a:t> </a:t>
+            </a:r>
+            <a:r>
+              <a:rPr lang="fr-FR" sz="2800" b="0" i="0" u="none" strike="noStrike" cap="none" spc="0">
+                <a:solidFill>
+                  <a:schemeClr val="tx1"/>
+                </a:solidFill>
+                <a:latin typeface="+mn-lt"/>
+                <a:ea typeface="+mn-ea"/>
+                <a:cs typeface="+mn-cs"/>
+              </a:rPr>
+              <a:t>concepts</a:t>
+            </a:r>
+            <a:r>
+              <a:rPr/>
+              <a:t>) : </a:t>
+            </a:r>
+            <a:r>
+              <a:rPr sz="2400" b="1" i="0" u="none">
+                <a:solidFill>
+                  <a:srgbClr val="000000"/>
+                </a:solidFill>
+                <a:latin typeface="Times New Roman"/>
+                <a:ea typeface="Times New Roman"/>
+                <a:cs typeface="Times New Roman"/>
+              </a:rPr>
+              <a:t>Nom de collectivité</a:t>
+            </a:r>
+            <a:endParaRPr/>
+          </a:p>
+          <a:p>
+            <a:pPr>
+              <a:defRPr/>
+            </a:pPr>
+            <a:r>
+              <a:rPr lang="fr-FR" sz="2800" b="0" i="0" u="sng" strike="noStrike" cap="none" spc="0">
+                <a:solidFill>
+                  <a:schemeClr val="tx1"/>
+                </a:solidFill>
+                <a:latin typeface="Arial"/>
+                <a:ea typeface="Arial"/>
+                <a:cs typeface="Arial"/>
+                <a:hlinkClick r:id="rId7" tooltip="https://data.bnf.fr/vocabulary/rameau/genre"/>
+              </a:rPr>
+              <a:t>https://data.bnf.fr/vocabulary/rameau/genre</a:t>
+            </a:r>
+            <a:r>
+              <a:rPr/>
+              <a:t> (</a:t>
+            </a:r>
+            <a:r>
+              <a:rPr lang="fr-FR" sz="1800" b="0" i="0" u="none" strike="noStrike" cap="none" spc="0">
+                <a:solidFill>
+                  <a:schemeClr val="tx1"/>
+                </a:solidFill>
+                <a:latin typeface="Arial"/>
+                <a:ea typeface="Arial"/>
+                <a:cs typeface="Arial"/>
+              </a:rPr>
+              <a:t>17339</a:t>
+            </a:r>
+            <a:r>
+              <a:rPr/>
+              <a:t> </a:t>
+            </a:r>
+            <a:r>
+              <a:rPr lang="fr-FR" sz="2800" b="0" i="0" u="none" strike="noStrike" cap="none" spc="0">
+                <a:solidFill>
+                  <a:schemeClr val="tx1"/>
+                </a:solidFill>
+                <a:latin typeface="+mn-lt"/>
+                <a:ea typeface="+mn-ea"/>
+                <a:cs typeface="+mn-cs"/>
+              </a:rPr>
+              <a:t>concepts</a:t>
+            </a:r>
+            <a:r>
+              <a:rPr/>
+              <a:t>) : </a:t>
+            </a:r>
+            <a:r>
+              <a:rPr sz="2400" b="1" i="0" u="none">
+                <a:solidFill>
+                  <a:srgbClr val="000000"/>
+                </a:solidFill>
+                <a:latin typeface="Times New Roman"/>
+                <a:ea typeface="Times New Roman"/>
+                <a:cs typeface="Times New Roman"/>
+              </a:rPr>
+              <a:t>Genre</a:t>
+            </a:r>
+            <a:endParaRPr/>
+          </a:p>
+          <a:p>
+            <a:pPr>
+              <a:defRPr/>
+            </a:pPr>
+            <a:r>
+              <a:rPr lang="fr-FR" sz="2800" b="0" i="0" u="sng" strike="noStrike" cap="none" spc="0">
+                <a:solidFill>
+                  <a:schemeClr val="tx1"/>
+                </a:solidFill>
+                <a:latin typeface="Arial"/>
+                <a:ea typeface="Arial"/>
+                <a:cs typeface="Arial"/>
+                <a:hlinkClick r:id="rId8" tooltip="https://data.bnf.fr/vocabulary/rameau/r164"/>
+              </a:rPr>
+              <a:t>https://data.bnf.fr/vocabulary/rameau/r164</a:t>
+            </a:r>
+            <a:r>
+              <a:rPr/>
+              <a:t> (</a:t>
+            </a:r>
+            <a:r>
+              <a:rPr lang="fr-FR" sz="1800" b="0" i="0" u="none" strike="noStrike" cap="none" spc="0">
+                <a:solidFill>
+                  <a:schemeClr val="tx1"/>
+                </a:solidFill>
+                <a:latin typeface="Arial"/>
+                <a:ea typeface="Arial"/>
+                <a:cs typeface="Arial"/>
+              </a:rPr>
+              <a:t>3145</a:t>
+            </a:r>
+            <a:r>
+              <a:rPr/>
+              <a:t> </a:t>
+            </a:r>
+            <a:r>
+              <a:rPr lang="fr-FR" sz="2800" b="0" i="0" u="none" strike="noStrike" cap="none" spc="0">
+                <a:solidFill>
+                  <a:schemeClr val="tx1"/>
+                </a:solidFill>
+                <a:latin typeface="+mn-lt"/>
+                <a:ea typeface="+mn-ea"/>
+                <a:cs typeface="+mn-cs"/>
+              </a:rPr>
+              <a:t>concepts</a:t>
+            </a:r>
+            <a:r>
+              <a:rPr/>
+              <a:t>) : </a:t>
+            </a:r>
+            <a:r>
+              <a:rPr sz="2400" b="1" i="0" u="none">
+                <a:solidFill>
+                  <a:srgbClr val="000000"/>
+                </a:solidFill>
+                <a:latin typeface="Times New Roman"/>
+                <a:ea typeface="Times New Roman"/>
+                <a:cs typeface="Times New Roman"/>
+              </a:rPr>
+              <a:t>Titres de publications en série (périodiques et collections de monographies)</a:t>
+            </a:r>
+            <a:endParaRPr/>
+          </a:p>
+          <a:p>
+            <a:pPr>
+              <a:defRPr/>
+            </a:pPr>
+            <a:r>
+              <a:rPr lang="fr-FR" sz="2800" b="0" i="0" u="sng" strike="noStrike" cap="none" spc="0">
+                <a:solidFill>
+                  <a:schemeClr val="tx1"/>
+                </a:solidFill>
+                <a:latin typeface="Arial"/>
+                <a:ea typeface="Arial"/>
+                <a:cs typeface="Arial"/>
+                <a:hlinkClick r:id="rId9" tooltip="https://data.bnf.fr/vocabulary/rameau/form"/>
+              </a:rPr>
+              <a:t>https://data.bnf.fr/vocabulary/rameau/form</a:t>
+            </a:r>
+            <a:r>
+              <a:rPr/>
+              <a:t> (</a:t>
+            </a:r>
+            <a:r>
+              <a:rPr lang="fr-FR" sz="1800" b="0" i="0" u="none" strike="noStrike" cap="none" spc="0">
+                <a:solidFill>
+                  <a:schemeClr val="tx1"/>
+                </a:solidFill>
+                <a:latin typeface="Arial"/>
+                <a:ea typeface="Arial"/>
+                <a:cs typeface="Arial"/>
+              </a:rPr>
+              <a:t>664 </a:t>
+            </a:r>
+            <a:r>
+              <a:rPr lang="fr-FR" sz="1800" b="0" i="0" u="none" strike="noStrike" cap="none" spc="0">
+                <a:solidFill>
+                  <a:schemeClr val="tx1"/>
+                </a:solidFill>
+                <a:latin typeface="+mn-lt"/>
+                <a:ea typeface="+mn-ea"/>
+                <a:cs typeface="+mn-cs"/>
+              </a:rPr>
+              <a:t>concepts</a:t>
+            </a:r>
+            <a:r>
+              <a:rPr/>
+              <a:t>) : </a:t>
+            </a:r>
+            <a:r>
+              <a:rPr sz="2400" b="1" i="0" u="none">
+                <a:solidFill>
+                  <a:srgbClr val="000000"/>
+                </a:solidFill>
+                <a:latin typeface="Times New Roman"/>
+                <a:ea typeface="Times New Roman"/>
+                <a:cs typeface="Times New Roman"/>
+              </a:rPr>
+              <a:t>Forme</a:t>
+            </a:r>
+            <a:endParaRPr/>
+          </a:p>
+          <a:p>
+            <a:pPr>
+              <a:defRPr/>
+            </a:pPr>
+            <a:r>
+              <a:rPr lang="fr-FR" sz="2700" b="0" i="0" u="sng" strike="noStrike" cap="none" spc="0">
+                <a:solidFill>
+                  <a:schemeClr val="tx1"/>
+                </a:solidFill>
+                <a:latin typeface="Arial"/>
+                <a:ea typeface="Arial"/>
+                <a:cs typeface="Arial"/>
+                <a:hlinkClick r:id="rId10" tooltip="https://data.bnf.fr/vocabulary/rameau/function"/>
+              </a:rPr>
+              <a:t>https://data.bnf.fr/vocabulary/rameau/function</a:t>
+            </a:r>
+            <a:r>
+              <a:rPr/>
+              <a:t> (</a:t>
+            </a:r>
+            <a:r>
+              <a:rPr lang="fr-FR" sz="1800" b="0" i="0" u="none" strike="noStrike" cap="none" spc="0">
+                <a:solidFill>
+                  <a:schemeClr val="tx1"/>
+                </a:solidFill>
+                <a:latin typeface="Arial"/>
+                <a:ea typeface="Arial"/>
+                <a:cs typeface="Arial"/>
+              </a:rPr>
+              <a:t>86 </a:t>
+            </a:r>
+            <a:r>
+              <a:rPr lang="fr-FR" sz="1800" b="0" i="0" u="none" strike="noStrike" cap="none" spc="0">
+                <a:solidFill>
+                  <a:schemeClr val="tx1"/>
+                </a:solidFill>
+                <a:latin typeface="+mn-lt"/>
+                <a:ea typeface="+mn-ea"/>
+                <a:cs typeface="+mn-cs"/>
+              </a:rPr>
+              <a:t>concepts</a:t>
+            </a:r>
+            <a:r>
+              <a:rPr/>
+              <a:t>) : </a:t>
+            </a:r>
+            <a:r>
+              <a:rPr sz="2400" b="1" i="0" u="none">
+                <a:solidFill>
+                  <a:srgbClr val="000000"/>
+                </a:solidFill>
+                <a:latin typeface="Times New Roman"/>
+                <a:ea typeface="Times New Roman"/>
+                <a:cs typeface="Times New Roman"/>
+              </a:rPr>
+              <a:t>Fonction</a:t>
+            </a:r>
+            <a:endParaRPr/>
+          </a:p>
+          <a:p>
+            <a:pPr>
+              <a:defRPr/>
+            </a:pPr>
+            <a:r>
+              <a:rPr lang="fr-FR" sz="2400" b="0" i="0" u="sng" strike="noStrike" cap="none" spc="0">
+                <a:solidFill>
+                  <a:schemeClr val="tx1"/>
+                </a:solidFill>
+                <a:latin typeface="Arial"/>
+                <a:ea typeface="Arial"/>
+                <a:cs typeface="Arial"/>
+                <a:hlinkClick r:id="rId11" tooltip="https://data.bnf.fr/vocabulary/rameau/r163"/>
+              </a:rPr>
+              <a:t>https://data.bnf.fr/vocabulary/rameau/r163</a:t>
+            </a:r>
+            <a:r>
+              <a:rPr/>
+              <a:t> (</a:t>
+            </a:r>
+            <a:r>
+              <a:rPr lang="fr-FR" sz="1800" b="0" i="0" u="none" strike="noStrike" cap="none" spc="0">
+                <a:solidFill>
+                  <a:schemeClr val="tx1"/>
+                </a:solidFill>
+                <a:latin typeface="Arial"/>
+                <a:ea typeface="Arial"/>
+                <a:cs typeface="Arial"/>
+              </a:rPr>
+              <a:t>76 </a:t>
+            </a:r>
+            <a:r>
+              <a:rPr lang="fr-FR" sz="1800" b="0" i="0" u="none" strike="noStrike" cap="none" spc="0">
+                <a:solidFill>
+                  <a:schemeClr val="tx1"/>
+                </a:solidFill>
+                <a:latin typeface="+mn-lt"/>
+                <a:ea typeface="+mn-ea"/>
+                <a:cs typeface="+mn-cs"/>
+              </a:rPr>
+              <a:t>concepts</a:t>
+            </a:r>
+            <a:r>
+              <a:rPr/>
+              <a:t>) : </a:t>
+            </a:r>
+            <a:r>
+              <a:rPr sz="2400" b="1" i="0" u="none">
+                <a:solidFill>
+                  <a:srgbClr val="000000"/>
+                </a:solidFill>
+                <a:latin typeface="Times New Roman"/>
+                <a:ea typeface="Times New Roman"/>
+                <a:cs typeface="Times New Roman"/>
+              </a:rPr>
+              <a:t>Titre propre d’anonyme</a:t>
+            </a:r>
+            <a:endParaRPr/>
+          </a:p>
+          <a:p>
+            <a:pPr>
+              <a:defRPr/>
+            </a:pPr>
+            <a:r>
+              <a:rPr lang="fr-FR" sz="2100" b="0" i="0" u="sng" strike="noStrike" cap="none" spc="0">
+                <a:solidFill>
+                  <a:schemeClr val="tx1"/>
+                </a:solidFill>
+                <a:latin typeface="Arial"/>
+                <a:ea typeface="Arial"/>
+                <a:cs typeface="Arial"/>
+                <a:hlinkClick r:id="rId12" tooltip="https://data.bnf.fr/vocabulary/rameau/r165"/>
+              </a:rPr>
+              <a:t>https://data.bnf.fr/vocabulary/rameau/r165</a:t>
+            </a:r>
+            <a:r>
+              <a:rPr/>
+              <a:t> (</a:t>
+            </a:r>
+            <a:r>
+              <a:rPr lang="fr-FR" sz="1800" b="0" i="0" u="none" strike="noStrike" cap="none" spc="0">
+                <a:solidFill>
+                  <a:schemeClr val="tx1"/>
+                </a:solidFill>
+                <a:latin typeface="Arial"/>
+                <a:ea typeface="Arial"/>
+                <a:cs typeface="Arial"/>
+              </a:rPr>
+              <a:t>309 </a:t>
+            </a:r>
+            <a:r>
+              <a:rPr lang="fr-FR" sz="1800" b="0" i="0" u="none" strike="noStrike" cap="none" spc="0">
+                <a:solidFill>
+                  <a:schemeClr val="tx1"/>
+                </a:solidFill>
+                <a:latin typeface="+mn-lt"/>
+                <a:ea typeface="+mn-ea"/>
+                <a:cs typeface="+mn-cs"/>
+              </a:rPr>
+              <a:t>concepts</a:t>
+            </a:r>
+            <a:r>
+              <a:rPr/>
+              <a:t>) : </a:t>
+            </a:r>
+            <a:r>
+              <a:rPr sz="2400" b="1" i="0" u="none">
+                <a:solidFill>
+                  <a:srgbClr val="000000"/>
+                </a:solidFill>
+                <a:latin typeface="Times New Roman"/>
+                <a:ea typeface="Times New Roman"/>
+                <a:cs typeface="Times New Roman"/>
+              </a:rPr>
+              <a:t>Titre uniforme textuel</a:t>
+            </a:r>
+            <a:endParaRPr/>
+          </a:p>
+          <a:p>
+            <a:pPr>
+              <a:defRPr/>
+            </a:pPr>
+            <a:r>
+              <a:rPr lang="fr-FR" sz="2000" b="0" i="0" u="sng" strike="noStrike" cap="none" spc="0">
+                <a:solidFill>
+                  <a:schemeClr val="tx1"/>
+                </a:solidFill>
+                <a:latin typeface="Arial"/>
+                <a:ea typeface="Arial"/>
+                <a:cs typeface="Arial"/>
+                <a:hlinkClick r:id="rId13" tooltip="https://data.bnf.fr/vocabulary/rameau/r168"/>
+              </a:rPr>
+              <a:t>https://data.bnf.fr/vocabulary/rameau/r168</a:t>
+            </a:r>
+            <a:r>
+              <a:rPr/>
+              <a:t> (</a:t>
+            </a:r>
+            <a:r>
+              <a:rPr lang="fr-FR" sz="1800" b="0" i="0" u="none" strike="noStrike" cap="none" spc="0">
+                <a:solidFill>
+                  <a:schemeClr val="tx1"/>
+                </a:solidFill>
+                <a:latin typeface="Arial"/>
+                <a:ea typeface="Arial"/>
+                <a:cs typeface="Arial"/>
+              </a:rPr>
+              <a:t>142</a:t>
+            </a:r>
+            <a:r>
+              <a:rPr/>
+              <a:t> </a:t>
+            </a:r>
+            <a:r>
+              <a:rPr lang="fr-FR" sz="2800" b="0" i="0" u="none" strike="noStrike" cap="none" spc="0">
+                <a:solidFill>
+                  <a:schemeClr val="tx1"/>
+                </a:solidFill>
+                <a:latin typeface="+mn-lt"/>
+                <a:ea typeface="+mn-ea"/>
+                <a:cs typeface="+mn-cs"/>
+              </a:rPr>
+              <a:t>concepts</a:t>
+            </a:r>
+            <a:r>
+              <a:rPr/>
+              <a:t>) : </a:t>
+            </a:r>
+            <a:r>
+              <a:rPr sz="2400" b="1" i="0" u="none">
+                <a:solidFill>
+                  <a:srgbClr val="000000"/>
+                </a:solidFill>
+                <a:latin typeface="Times New Roman"/>
+                <a:ea typeface="Times New Roman"/>
+                <a:cs typeface="Times New Roman"/>
+              </a:rPr>
+              <a:t>Subdivisions chronologiques</a:t>
+            </a:r>
+            <a:r>
+              <a:rPr/>
+              <a:t> </a:t>
+            </a:r>
+            <a:endParaRPr/>
+          </a:p>
+        </p:txBody>
+      </p:sp>
+    </p:spTree>
+  </p:cSld>
+  <p:clrMapOvr>
+    <a:masterClrMapping/>
+  </p:clrMapOvr>
+  <mc:AlternateContent xmlns:mc="http://schemas.openxmlformats.org/markup-compatibility/2006">
+    <mc:Choice xmlns:p159="http://schemas.microsoft.com/office/powerpoint/2015/09/main" xmlns:p14="http://schemas.microsoft.com/office/powerpoint/2010/main" Requires="p159">
+      <p:transition p14:dur="2000" advClick="1"/>
+    </mc:Choice>
+    <mc:Fallback>
+      <p:transition advClick="1"/>
+    </mc:Fallback>
+  </mc:AlternateContent>
+</p:sld>
+</file>
+
+<file path=ppt/slides/slide4.xml><?xml version="1.0" encoding="utf-8"?>
+<p:sld xmlns:a="http://schemas.openxmlformats.org/drawingml/2006/main" xmlns:r="http://schemas.openxmlformats.org/officeDocument/2006/relationships" xmlns:p="http://schemas.openxmlformats.org/presentationml/2006/main" xmlns:m="http://schemas.openxmlformats.org/officeDocument/2006/math" xmlns:w="http://schemas.openxmlformats.org/wordprocessingml/2006/main" xmlns:mc="http://schemas.openxmlformats.org/markup-compatibility/2006" showMasterPhAnim="0" showMasterSp="1" show="1">
+  <p:cSld name="">
+    <p:spTree>
+      <p:nvGrpSpPr>
+        <p:cNvPr id="1" name=""/>
+        <p:cNvGrpSpPr/>
+        <p:nvPr/>
+      </p:nvGrpSpPr>
+      <p:grpSpPr bwMode="auto">
+        <a:xfrm>
+          <a:off x="0" y="0"/>
+          <a:ext cx="0" cy="0"/>
+          <a:chOff x="0" y="0"/>
+          <a:chExt cx="0" cy="0"/>
+        </a:xfrm>
+      </p:grpSpPr>
+      <p:sp>
+        <p:nvSpPr>
+          <p:cNvPr id="520021992" name="Titre 1"/>
+          <p:cNvSpPr>
+            <a:spLocks noGrp="1"/>
+          </p:cNvSpPr>
+          <p:nvPr>
+            <p:ph type="title"/>
+          </p:nvPr>
+        </p:nvSpPr>
+        <p:spPr bwMode="auto"/>
+        <p:txBody>
+          <a:bodyPr/>
+          <a:lstStyle/>
+          <a:p>
+            <a:pPr>
+              <a:defRPr/>
+            </a:pPr>
+            <a:r>
+              <a:rPr/>
+              <a:t>Domaines de Rameau</a:t>
+            </a:r>
+            <a:endParaRPr/>
+          </a:p>
+        </p:txBody>
+      </p:sp>
+      <p:sp>
+        <p:nvSpPr>
+          <p:cNvPr id="1369728299" name="Espace réservé du contenu 2"/>
+          <p:cNvSpPr>
+            <a:spLocks noGrp="1"/>
+          </p:cNvSpPr>
+          <p:nvPr>
+            <p:ph idx="1"/>
+          </p:nvPr>
+        </p:nvSpPr>
+        <p:spPr bwMode="auto">
+          <a:xfrm flipH="0" flipV="0">
+            <a:off x="838199" y="1525849"/>
+            <a:ext cx="10515600" cy="5049174"/>
+          </a:xfrm>
+        </p:spPr>
+        <p:txBody>
+          <a:bodyPr vertOverflow="overflow" horzOverflow="overflow" vert="horz" wrap="square" lIns="91440" tIns="45720" rIns="91440" bIns="45720" numCol="1" spcCol="0" rtlCol="0" fromWordArt="0" anchor="t" anchorCtr="0" forceAA="0" upright="0" compatLnSpc="0">
+            <a:normAutofit/>
+          </a:bodyPr>
+          <a:lstStyle/>
+          <a:p>
+            <a:pPr>
+              <a:defRPr/>
+            </a:pPr>
+            <a:r>
+              <a:rPr/>
+              <a:t>Commande :</a:t>
+            </a:r>
+            <a:endParaRPr/>
+          </a:p>
+          <a:p>
+            <a:pPr lvl="1">
+              <a:defRPr/>
+            </a:pPr>
+            <a:r>
+              <a:rPr lang="fr-FR" sz="1200" b="0" i="0" u="none" strike="noStrike" cap="none" spc="0">
+                <a:solidFill>
+                  <a:schemeClr val="tx1"/>
+                </a:solidFill>
+                <a:latin typeface="Arial"/>
+                <a:ea typeface="Arial"/>
+                <a:cs typeface="Arial"/>
+              </a:rPr>
+              <a:t>sed work/rameau/databnf_rameau/* -n -e 's/&lt;.*&gt; &lt;.*domaineLitteral&gt;//p' &gt; domaines_rameau.txt</a:t>
+            </a:r>
+            <a:endParaRPr lang="fr-FR" sz="1200" b="0" i="0" u="none" strike="noStrike" cap="none" spc="0">
+              <a:solidFill>
+                <a:schemeClr val="tx1"/>
+              </a:solidFill>
+              <a:latin typeface="Arial"/>
+              <a:ea typeface="Arial"/>
+              <a:cs typeface="Arial"/>
+            </a:endParaRPr>
+          </a:p>
+          <a:p>
+            <a:pPr lvl="1">
+              <a:defRPr/>
+            </a:pPr>
+            <a:r>
+              <a:rPr lang="fr-FR" sz="1400" b="0" i="0" u="none" strike="noStrike" cap="none" spc="0">
+                <a:solidFill>
+                  <a:schemeClr val="tx1"/>
+                </a:solidFill>
+                <a:latin typeface="Arial"/>
+                <a:ea typeface="Arial"/>
+                <a:cs typeface="Arial"/>
+              </a:rPr>
+              <a:t>sort domaines_rameau.txt | uniq -c</a:t>
+            </a:r>
+            <a:endParaRPr lang="fr-FR" sz="600" b="0" i="0" u="none" strike="noStrike" cap="none" spc="0">
+              <a:solidFill>
+                <a:schemeClr val="tx1"/>
+              </a:solidFill>
+              <a:latin typeface="Arial"/>
+              <a:cs typeface="Arial"/>
+            </a:endParaRPr>
+          </a:p>
+          <a:p>
+            <a:pPr algn="l">
+              <a:lnSpc>
+                <a:spcPct val="75000"/>
+              </a:lnSpc>
+              <a:spcBef>
+                <a:spcPts val="283"/>
+              </a:spcBef>
+              <a:spcAft>
+                <a:spcPts val="0"/>
+              </a:spcAft>
+              <a:defRPr/>
+            </a:pPr>
+            <a:r>
+              <a:rPr lang="fr-FR" sz="800" b="0" i="0" u="none" strike="noStrike" cap="none" spc="0">
+                <a:solidFill>
+                  <a:schemeClr val="tx1"/>
+                </a:solidFill>
+                <a:latin typeface="Arial"/>
+                <a:ea typeface="Arial"/>
+                <a:cs typeface="Arial"/>
+              </a:rPr>
+              <a:t>  </a:t>
+            </a:r>
+            <a:endParaRPr lang="fr-FR" sz="800" b="0" i="0" u="none" strike="noStrike" cap="none" spc="0">
+              <a:solidFill>
+                <a:schemeClr val="tx1"/>
+              </a:solidFill>
+              <a:latin typeface="Arial"/>
+              <a:ea typeface="Arial"/>
+              <a:cs typeface="Arial"/>
+            </a:endParaRPr>
+          </a:p>
+          <a:p>
+            <a:pPr algn="l">
+              <a:lnSpc>
+                <a:spcPct val="75000"/>
+              </a:lnSpc>
+              <a:spcBef>
+                <a:spcPts val="283"/>
+              </a:spcBef>
+              <a:spcAft>
+                <a:spcPts val="0"/>
+              </a:spcAft>
+              <a:defRPr/>
+            </a:pPr>
+            <a:r>
+              <a:rPr lang="fr-FR" sz="800" b="0" i="0" u="none" strike="noStrike" cap="none" spc="0">
+                <a:solidFill>
+                  <a:schemeClr val="tx1"/>
+                </a:solidFill>
+                <a:latin typeface="Arial"/>
+                <a:ea typeface="Arial"/>
+                <a:cs typeface="Arial"/>
+              </a:rPr>
+              <a:t> 2914  "Agriculture. Pêche" .</a:t>
+            </a:r>
+            <a:endParaRPr sz="800" b="0" i="0" u="none" strike="noStrike" cap="none" spc="0">
+              <a:solidFill>
+                <a:schemeClr val="tx1"/>
+              </a:solidFill>
+              <a:latin typeface="Arial"/>
+              <a:cs typeface="Arial"/>
+            </a:endParaRPr>
+          </a:p>
+          <a:p>
+            <a:pPr algn="l">
+              <a:lnSpc>
+                <a:spcPct val="75000"/>
+              </a:lnSpc>
+              <a:spcBef>
+                <a:spcPts val="283"/>
+              </a:spcBef>
+              <a:spcAft>
+                <a:spcPts val="0"/>
+              </a:spcAft>
+              <a:defRPr/>
+            </a:pPr>
+            <a:r>
+              <a:rPr lang="fr-FR" sz="800" b="0" i="0" u="none" strike="noStrike" cap="none" spc="0">
+                <a:solidFill>
+                  <a:schemeClr val="tx1"/>
+                </a:solidFill>
+                <a:latin typeface="Arial"/>
+                <a:ea typeface="Arial"/>
+                <a:cs typeface="Arial"/>
+              </a:rPr>
+              <a:t>   1403  "Anthropologie. Ethnologie" .</a:t>
+            </a:r>
+            <a:endParaRPr sz="800" b="0" i="0" u="none" strike="noStrike" cap="none" spc="0">
+              <a:solidFill>
+                <a:schemeClr val="tx1"/>
+              </a:solidFill>
+              <a:latin typeface="Arial"/>
+              <a:cs typeface="Arial"/>
+            </a:endParaRPr>
+          </a:p>
+          <a:p>
+            <a:pPr algn="l">
+              <a:lnSpc>
+                <a:spcPct val="75000"/>
+              </a:lnSpc>
+              <a:spcBef>
+                <a:spcPts val="283"/>
+              </a:spcBef>
+              <a:spcAft>
+                <a:spcPts val="0"/>
+              </a:spcAft>
+              <a:defRPr/>
+            </a:pPr>
+            <a:r>
+              <a:rPr lang="fr-FR" sz="800" b="0" i="0" u="none" strike="noStrike" cap="none" spc="0">
+                <a:solidFill>
+                  <a:schemeClr val="tx1"/>
+                </a:solidFill>
+                <a:latin typeface="Arial"/>
+                <a:ea typeface="Arial"/>
+                <a:cs typeface="Arial"/>
+              </a:rPr>
+              <a:t>   6427  "Archéologie. Préhistoire. Histoire ancienne" .</a:t>
+            </a:r>
+            <a:endParaRPr sz="800" b="0" i="0" u="none" strike="noStrike" cap="none" spc="0">
+              <a:solidFill>
+                <a:schemeClr val="tx1"/>
+              </a:solidFill>
+              <a:latin typeface="Arial"/>
+              <a:cs typeface="Arial"/>
+            </a:endParaRPr>
+          </a:p>
+          <a:p>
+            <a:pPr algn="l">
+              <a:lnSpc>
+                <a:spcPct val="75000"/>
+              </a:lnSpc>
+              <a:spcBef>
+                <a:spcPts val="283"/>
+              </a:spcBef>
+              <a:spcAft>
+                <a:spcPts val="0"/>
+              </a:spcAft>
+              <a:defRPr/>
+            </a:pPr>
+            <a:r>
+              <a:rPr lang="fr-FR" sz="800" b="0" i="0" u="none" strike="noStrike" cap="none" spc="0">
+                <a:solidFill>
+                  <a:schemeClr val="tx1"/>
+                </a:solidFill>
+                <a:latin typeface="Arial"/>
+                <a:ea typeface="Arial"/>
+                <a:cs typeface="Arial"/>
+              </a:rPr>
+              <a:t>    960  "Biologie des procaryotes" .</a:t>
+            </a:r>
+            <a:endParaRPr sz="800" b="0" i="0" u="none" strike="noStrike" cap="none" spc="0">
+              <a:solidFill>
+                <a:schemeClr val="tx1"/>
+              </a:solidFill>
+              <a:latin typeface="Arial"/>
+              <a:cs typeface="Arial"/>
+            </a:endParaRPr>
+          </a:p>
+          <a:p>
+            <a:pPr algn="l">
+              <a:lnSpc>
+                <a:spcPct val="75000"/>
+              </a:lnSpc>
+              <a:spcBef>
+                <a:spcPts val="283"/>
+              </a:spcBef>
+              <a:spcAft>
+                <a:spcPts val="0"/>
+              </a:spcAft>
+              <a:defRPr/>
+            </a:pPr>
+            <a:r>
+              <a:rPr lang="fr-FR" sz="800" b="0" i="0" u="none" strike="noStrike" cap="none" spc="0">
+                <a:solidFill>
+                  <a:schemeClr val="tx1"/>
+                </a:solidFill>
+                <a:latin typeface="Arial"/>
+                <a:ea typeface="Arial"/>
+                <a:cs typeface="Arial"/>
+              </a:rPr>
+              <a:t>   4776  "Catégories de personnes" .</a:t>
+            </a:r>
+            <a:endParaRPr sz="800" b="0" i="0" u="none" strike="noStrike" cap="none" spc="0">
+              <a:solidFill>
+                <a:schemeClr val="tx1"/>
+              </a:solidFill>
+              <a:latin typeface="Arial"/>
+              <a:cs typeface="Arial"/>
+            </a:endParaRPr>
+          </a:p>
+          <a:p>
+            <a:pPr algn="l">
+              <a:lnSpc>
+                <a:spcPct val="75000"/>
+              </a:lnSpc>
+              <a:spcBef>
+                <a:spcPts val="283"/>
+              </a:spcBef>
+              <a:spcAft>
+                <a:spcPts val="0"/>
+              </a:spcAft>
+              <a:defRPr/>
+            </a:pPr>
+            <a:r>
+              <a:rPr lang="fr-FR" sz="800" b="0" i="0" u="none" strike="noStrike" cap="none" spc="0">
+                <a:solidFill>
+                  <a:schemeClr val="tx1"/>
+                </a:solidFill>
+                <a:latin typeface="Arial"/>
+                <a:ea typeface="Arial"/>
+                <a:cs typeface="Arial"/>
+              </a:rPr>
+              <a:t>   2373  "Dessin. Arts décoratifs" .</a:t>
+            </a:r>
+            <a:endParaRPr sz="800" b="0" i="0" u="none" strike="noStrike" cap="none" spc="0">
+              <a:solidFill>
+                <a:schemeClr val="tx1"/>
+              </a:solidFill>
+              <a:latin typeface="Arial"/>
+              <a:cs typeface="Arial"/>
+            </a:endParaRPr>
+          </a:p>
+          <a:p>
+            <a:pPr algn="l">
+              <a:lnSpc>
+                <a:spcPct val="75000"/>
+              </a:lnSpc>
+              <a:spcBef>
+                <a:spcPts val="283"/>
+              </a:spcBef>
+              <a:spcAft>
+                <a:spcPts val="0"/>
+              </a:spcAft>
+              <a:defRPr/>
+            </a:pPr>
+            <a:r>
+              <a:rPr lang="fr-FR" sz="800" b="0" i="0" u="none" strike="noStrike" cap="none" spc="0">
+                <a:solidFill>
+                  <a:schemeClr val="tx1"/>
+                </a:solidFill>
+                <a:latin typeface="Arial"/>
+                <a:ea typeface="Arial"/>
+                <a:cs typeface="Arial"/>
+              </a:rPr>
+              <a:t>   2302  "Économie domestique. Cuisine" .</a:t>
+            </a:r>
+            <a:endParaRPr sz="800" b="0" i="0" u="none" strike="noStrike" cap="none" spc="0">
+              <a:solidFill>
+                <a:schemeClr val="tx1"/>
+              </a:solidFill>
+              <a:latin typeface="Arial"/>
+              <a:cs typeface="Arial"/>
+            </a:endParaRPr>
+          </a:p>
+          <a:p>
+            <a:pPr algn="l">
+              <a:lnSpc>
+                <a:spcPct val="75000"/>
+              </a:lnSpc>
+              <a:spcBef>
+                <a:spcPts val="283"/>
+              </a:spcBef>
+              <a:spcAft>
+                <a:spcPts val="0"/>
+              </a:spcAft>
+              <a:defRPr/>
+            </a:pPr>
+            <a:r>
+              <a:rPr lang="fr-FR" sz="800" b="0" i="0" u="none" strike="noStrike" cap="none" spc="0">
+                <a:solidFill>
+                  <a:schemeClr val="tx1"/>
+                </a:solidFill>
+                <a:latin typeface="Arial"/>
+                <a:ea typeface="Arial"/>
+                <a:cs typeface="Arial"/>
+              </a:rPr>
+              <a:t>   5104  "Économie politique. Travail" .</a:t>
+            </a:r>
+            <a:endParaRPr sz="800" b="0" i="0" u="none" strike="noStrike" cap="none" spc="0">
+              <a:solidFill>
+                <a:schemeClr val="tx1"/>
+              </a:solidFill>
+              <a:latin typeface="Arial"/>
+              <a:cs typeface="Arial"/>
+            </a:endParaRPr>
+          </a:p>
+          <a:p>
+            <a:pPr algn="l">
+              <a:lnSpc>
+                <a:spcPct val="75000"/>
+              </a:lnSpc>
+              <a:spcBef>
+                <a:spcPts val="283"/>
+              </a:spcBef>
+              <a:spcAft>
+                <a:spcPts val="0"/>
+              </a:spcAft>
+              <a:defRPr/>
+            </a:pPr>
+            <a:r>
+              <a:rPr lang="fr-FR" sz="800" b="0" i="0" u="none" strike="noStrike" cap="none" spc="0">
+                <a:solidFill>
+                  <a:schemeClr val="tx1"/>
+                </a:solidFill>
+                <a:latin typeface="Arial"/>
+                <a:ea typeface="Arial"/>
+                <a:cs typeface="Arial"/>
+              </a:rPr>
+              <a:t>    392  "Ésotérisme. Parapsychologie" .</a:t>
+            </a:r>
+            <a:endParaRPr sz="800" b="0" i="0" u="none" strike="noStrike" cap="none" spc="0">
+              <a:solidFill>
+                <a:schemeClr val="tx1"/>
+              </a:solidFill>
+              <a:latin typeface="Arial"/>
+              <a:cs typeface="Arial"/>
+            </a:endParaRPr>
+          </a:p>
+          <a:p>
+            <a:pPr algn="l">
+              <a:lnSpc>
+                <a:spcPct val="75000"/>
+              </a:lnSpc>
+              <a:spcBef>
+                <a:spcPts val="283"/>
+              </a:spcBef>
+              <a:spcAft>
+                <a:spcPts val="0"/>
+              </a:spcAft>
+              <a:defRPr/>
+            </a:pPr>
+            <a:r>
+              <a:rPr lang="fr-FR" sz="800" b="0" i="0" u="none" strike="noStrike" cap="none" spc="0">
+                <a:solidFill>
+                  <a:schemeClr val="tx1"/>
+                </a:solidFill>
+                <a:latin typeface="Arial"/>
+                <a:ea typeface="Arial"/>
+                <a:cs typeface="Arial"/>
+              </a:rPr>
+              <a:t>  12236  "Géographie de la France" .</a:t>
+            </a:r>
+            <a:endParaRPr sz="800" b="0" i="0" u="none" strike="noStrike" cap="none" spc="0">
+              <a:solidFill>
+                <a:schemeClr val="tx1"/>
+              </a:solidFill>
+              <a:latin typeface="Arial"/>
+              <a:cs typeface="Arial"/>
+            </a:endParaRPr>
+          </a:p>
+          <a:p>
+            <a:pPr algn="l">
+              <a:lnSpc>
+                <a:spcPct val="75000"/>
+              </a:lnSpc>
+              <a:spcBef>
+                <a:spcPts val="283"/>
+              </a:spcBef>
+              <a:spcAft>
+                <a:spcPts val="0"/>
+              </a:spcAft>
+              <a:defRPr/>
+            </a:pPr>
+            <a:r>
+              <a:rPr lang="fr-FR" sz="800" b="0" i="0" u="none" strike="noStrike" cap="none" spc="0">
+                <a:solidFill>
+                  <a:schemeClr val="tx1"/>
+                </a:solidFill>
+                <a:latin typeface="Arial"/>
+                <a:ea typeface="Arial"/>
+                <a:cs typeface="Arial"/>
+              </a:rPr>
+              <a:t>  10391  "Géographie de l'Europe" .</a:t>
+            </a:r>
+            <a:endParaRPr sz="800" b="0" i="0" u="none" strike="noStrike" cap="none" spc="0">
+              <a:solidFill>
+                <a:schemeClr val="tx1"/>
+              </a:solidFill>
+              <a:latin typeface="Arial"/>
+              <a:cs typeface="Arial"/>
+            </a:endParaRPr>
+          </a:p>
+          <a:p>
+            <a:pPr algn="l">
+              <a:lnSpc>
+                <a:spcPct val="75000"/>
+              </a:lnSpc>
+              <a:spcBef>
+                <a:spcPts val="283"/>
+              </a:spcBef>
+              <a:spcAft>
+                <a:spcPts val="0"/>
+              </a:spcAft>
+              <a:defRPr/>
+            </a:pPr>
+            <a:r>
+              <a:rPr lang="fr-FR" sz="800" b="0" i="0" u="none" strike="noStrike" cap="none" spc="0">
+                <a:solidFill>
+                  <a:schemeClr val="tx1"/>
+                </a:solidFill>
+                <a:latin typeface="Arial"/>
+                <a:ea typeface="Arial"/>
+                <a:cs typeface="Arial"/>
+              </a:rPr>
+              <a:t>   6918  "Géographie du reste du monde" .</a:t>
+            </a:r>
+            <a:endParaRPr sz="800" b="0" i="0" u="none" strike="noStrike" cap="none" spc="0">
+              <a:solidFill>
+                <a:schemeClr val="tx1"/>
+              </a:solidFill>
+              <a:latin typeface="Arial"/>
+              <a:cs typeface="Arial"/>
+            </a:endParaRPr>
+          </a:p>
+          <a:p>
+            <a:pPr algn="l">
+              <a:lnSpc>
+                <a:spcPct val="75000"/>
+              </a:lnSpc>
+              <a:spcBef>
+                <a:spcPts val="283"/>
+              </a:spcBef>
+              <a:spcAft>
+                <a:spcPts val="0"/>
+              </a:spcAft>
+              <a:defRPr/>
+            </a:pPr>
+            <a:r>
+              <a:rPr lang="fr-FR" sz="800" b="0" i="0" u="none" strike="noStrike" cap="none" spc="0">
+                <a:solidFill>
+                  <a:schemeClr val="tx1"/>
+                </a:solidFill>
+                <a:latin typeface="Arial"/>
+                <a:ea typeface="Arial"/>
+                <a:cs typeface="Arial"/>
+              </a:rPr>
+              <a:t>   1058  "Histoire de la France" .</a:t>
+            </a:r>
+            <a:endParaRPr sz="800" b="0" i="0" u="none" strike="noStrike" cap="none" spc="0">
+              <a:solidFill>
+                <a:schemeClr val="tx1"/>
+              </a:solidFill>
+              <a:latin typeface="Arial"/>
+              <a:cs typeface="Arial"/>
+            </a:endParaRPr>
+          </a:p>
+          <a:p>
+            <a:pPr algn="l">
+              <a:lnSpc>
+                <a:spcPct val="75000"/>
+              </a:lnSpc>
+              <a:spcBef>
+                <a:spcPts val="283"/>
+              </a:spcBef>
+              <a:spcAft>
+                <a:spcPts val="0"/>
+              </a:spcAft>
+              <a:defRPr/>
+            </a:pPr>
+            <a:r>
+              <a:rPr lang="fr-FR" sz="800" b="0" i="0" u="none" strike="noStrike" cap="none" spc="0">
+                <a:solidFill>
+                  <a:schemeClr val="tx1"/>
+                </a:solidFill>
+                <a:latin typeface="Arial"/>
+                <a:ea typeface="Arial"/>
+                <a:cs typeface="Arial"/>
+              </a:rPr>
+              <a:t>   3529  "Histoire de l'Europe" .</a:t>
+            </a:r>
+            <a:endParaRPr sz="800" b="0" i="0" u="none" strike="noStrike" cap="none" spc="0">
+              <a:solidFill>
+                <a:schemeClr val="tx1"/>
+              </a:solidFill>
+              <a:latin typeface="Arial"/>
+              <a:cs typeface="Arial"/>
+            </a:endParaRPr>
+          </a:p>
+          <a:p>
+            <a:pPr algn="l">
+              <a:lnSpc>
+                <a:spcPct val="75000"/>
+              </a:lnSpc>
+              <a:spcBef>
+                <a:spcPts val="283"/>
+              </a:spcBef>
+              <a:spcAft>
+                <a:spcPts val="0"/>
+              </a:spcAft>
+              <a:defRPr/>
+            </a:pPr>
+            <a:r>
+              <a:rPr lang="fr-FR" sz="800" b="0" i="0" u="none" strike="noStrike" cap="none" spc="0">
+                <a:solidFill>
+                  <a:schemeClr val="tx1"/>
+                </a:solidFill>
+                <a:latin typeface="Arial"/>
+                <a:ea typeface="Arial"/>
+                <a:cs typeface="Arial"/>
+              </a:rPr>
+              <a:t>   3198  "Histoire du reste du monde" .</a:t>
+            </a:r>
+            <a:endParaRPr sz="800" b="0" i="0" u="none" strike="noStrike" cap="none" spc="0">
+              <a:solidFill>
+                <a:schemeClr val="tx1"/>
+              </a:solidFill>
+              <a:latin typeface="Arial"/>
+              <a:cs typeface="Arial"/>
+            </a:endParaRPr>
+          </a:p>
+          <a:p>
+            <a:pPr algn="l">
+              <a:lnSpc>
+                <a:spcPct val="75000"/>
+              </a:lnSpc>
+              <a:spcBef>
+                <a:spcPts val="283"/>
+              </a:spcBef>
+              <a:spcAft>
+                <a:spcPts val="0"/>
+              </a:spcAft>
+              <a:defRPr/>
+            </a:pPr>
+            <a:r>
+              <a:rPr lang="fr-FR" sz="800" b="0" i="0" u="none" strike="noStrike" cap="none" spc="0">
+                <a:solidFill>
+                  <a:schemeClr val="tx1"/>
+                </a:solidFill>
+                <a:latin typeface="Arial"/>
+                <a:ea typeface="Arial"/>
+                <a:cs typeface="Arial"/>
+              </a:rPr>
+              <a:t>   5922  "Langues" .</a:t>
+            </a:r>
+            <a:endParaRPr sz="800" b="0" i="0" u="none" strike="noStrike" cap="none" spc="0">
+              <a:solidFill>
+                <a:schemeClr val="tx1"/>
+              </a:solidFill>
+              <a:latin typeface="Arial"/>
+              <a:cs typeface="Arial"/>
+            </a:endParaRPr>
+          </a:p>
+          <a:p>
+            <a:pPr algn="l">
+              <a:lnSpc>
+                <a:spcPct val="75000"/>
+              </a:lnSpc>
+              <a:spcBef>
+                <a:spcPts val="283"/>
+              </a:spcBef>
+              <a:spcAft>
+                <a:spcPts val="0"/>
+              </a:spcAft>
+              <a:defRPr/>
+            </a:pPr>
+            <a:r>
+              <a:rPr lang="fr-FR" sz="800" b="0" i="0" u="none" strike="noStrike" cap="none" spc="0">
+                <a:solidFill>
+                  <a:schemeClr val="tx1"/>
+                </a:solidFill>
+                <a:latin typeface="Arial"/>
+                <a:ea typeface="Arial"/>
+                <a:cs typeface="Arial"/>
+              </a:rPr>
+              <a:t>   1186  "Linguistique générale" .</a:t>
+            </a:r>
+            <a:endParaRPr sz="800" b="0" i="0" u="none" strike="noStrike" cap="none" spc="0">
+              <a:solidFill>
+                <a:schemeClr val="tx1"/>
+              </a:solidFill>
+              <a:latin typeface="Arial"/>
+              <a:cs typeface="Arial"/>
+            </a:endParaRPr>
+          </a:p>
+          <a:p>
+            <a:pPr algn="l">
+              <a:lnSpc>
+                <a:spcPct val="75000"/>
+              </a:lnSpc>
+              <a:spcBef>
+                <a:spcPts val="283"/>
+              </a:spcBef>
+              <a:spcAft>
+                <a:spcPts val="0"/>
+              </a:spcAft>
+              <a:defRPr/>
+            </a:pPr>
+            <a:r>
+              <a:rPr lang="fr-FR" sz="800" b="0" i="0" u="none" strike="noStrike" cap="none" spc="0">
+                <a:solidFill>
+                  <a:schemeClr val="tx1"/>
+                </a:solidFill>
+                <a:latin typeface="Arial"/>
+                <a:ea typeface="Arial"/>
+                <a:cs typeface="Arial"/>
+              </a:rPr>
+              <a:t>   1503  "Littérature générale" .</a:t>
+            </a:r>
+            <a:endParaRPr sz="800" b="0" i="0" u="none" strike="noStrike" cap="none" spc="0">
+              <a:solidFill>
+                <a:schemeClr val="tx1"/>
+              </a:solidFill>
+              <a:latin typeface="Arial"/>
+              <a:cs typeface="Arial"/>
+            </a:endParaRPr>
+          </a:p>
+          <a:p>
+            <a:pPr algn="l">
+              <a:lnSpc>
+                <a:spcPct val="75000"/>
+              </a:lnSpc>
+              <a:spcBef>
+                <a:spcPts val="283"/>
+              </a:spcBef>
+              <a:spcAft>
+                <a:spcPts val="0"/>
+              </a:spcAft>
+              <a:defRPr/>
+            </a:pPr>
+            <a:r>
+              <a:rPr lang="fr-FR" sz="800" b="0" i="0" u="none" strike="noStrike" cap="none" spc="0">
+                <a:solidFill>
+                  <a:schemeClr val="tx1"/>
+                </a:solidFill>
+                <a:latin typeface="Arial"/>
+                <a:ea typeface="Arial"/>
+                <a:cs typeface="Arial"/>
+              </a:rPr>
+              <a:t>   9449  "Littératures" .</a:t>
+            </a:r>
+            <a:endParaRPr sz="800" b="0" i="0" u="none" strike="noStrike" cap="none" spc="0">
+              <a:solidFill>
+                <a:schemeClr val="tx1"/>
+              </a:solidFill>
+              <a:latin typeface="Arial"/>
+              <a:cs typeface="Arial"/>
+            </a:endParaRPr>
+          </a:p>
+          <a:p>
+            <a:pPr algn="l">
+              <a:lnSpc>
+                <a:spcPct val="75000"/>
+              </a:lnSpc>
+              <a:spcBef>
+                <a:spcPts val="283"/>
+              </a:spcBef>
+              <a:spcAft>
+                <a:spcPts val="0"/>
+              </a:spcAft>
+              <a:defRPr/>
+            </a:pPr>
+            <a:r>
+              <a:rPr lang="fr-FR" sz="800" b="0" i="0" u="none" strike="noStrike" cap="none" spc="0">
+                <a:solidFill>
+                  <a:schemeClr val="tx1"/>
+                </a:solidFill>
+                <a:latin typeface="Arial"/>
+                <a:ea typeface="Arial"/>
+                <a:cs typeface="Arial"/>
+              </a:rPr>
+              <a:t>   1450  "Problèmes et services sociaux. Criminologie" .</a:t>
+            </a:r>
+            <a:endParaRPr sz="800" b="0" i="0" u="none" strike="noStrike" cap="none" spc="0">
+              <a:solidFill>
+                <a:schemeClr val="tx1"/>
+              </a:solidFill>
+              <a:latin typeface="Arial"/>
+              <a:cs typeface="Arial"/>
+            </a:endParaRPr>
+          </a:p>
+          <a:p>
+            <a:pPr algn="l">
+              <a:lnSpc>
+                <a:spcPct val="75000"/>
+              </a:lnSpc>
+              <a:spcBef>
+                <a:spcPts val="283"/>
+              </a:spcBef>
+              <a:spcAft>
+                <a:spcPts val="0"/>
+              </a:spcAft>
+              <a:defRPr/>
+            </a:pPr>
+            <a:r>
+              <a:rPr lang="fr-FR" sz="800" b="0" i="0" u="none" strike="noStrike" cap="none" spc="0">
+                <a:solidFill>
+                  <a:schemeClr val="tx1"/>
+                </a:solidFill>
+                <a:latin typeface="Arial"/>
+                <a:ea typeface="Arial"/>
+                <a:cs typeface="Arial"/>
+              </a:rPr>
+              <a:t>   1930  "Savoir et érudition. Musées" .</a:t>
+            </a:r>
+            <a:endParaRPr sz="800" b="0" i="0" u="none" strike="noStrike" cap="none" spc="0">
+              <a:solidFill>
+                <a:schemeClr val="tx1"/>
+              </a:solidFill>
+              <a:latin typeface="Arial"/>
+              <a:cs typeface="Arial"/>
+            </a:endParaRPr>
+          </a:p>
+          <a:p>
+            <a:pPr algn="l">
+              <a:lnSpc>
+                <a:spcPct val="75000"/>
+              </a:lnSpc>
+              <a:spcBef>
+                <a:spcPts val="283"/>
+              </a:spcBef>
+              <a:spcAft>
+                <a:spcPts val="0"/>
+              </a:spcAft>
+              <a:defRPr/>
+            </a:pPr>
+            <a:r>
+              <a:rPr lang="fr-FR" sz="800" b="0" i="0" u="none" strike="noStrike" cap="none" spc="0">
+                <a:solidFill>
+                  <a:schemeClr val="tx1"/>
+                </a:solidFill>
+                <a:latin typeface="Arial"/>
+                <a:ea typeface="Arial"/>
+                <a:cs typeface="Arial"/>
+              </a:rPr>
+              <a:t>   8104  "Sciences de l'information et de la documentation" .</a:t>
+            </a:r>
+            <a:endParaRPr sz="800" b="0" i="0" u="none" strike="noStrike" cap="none" spc="0">
+              <a:solidFill>
+                <a:schemeClr val="tx1"/>
+              </a:solidFill>
+              <a:latin typeface="Arial"/>
+              <a:cs typeface="Arial"/>
+            </a:endParaRPr>
+          </a:p>
+          <a:p>
+            <a:pPr algn="l">
+              <a:lnSpc>
+                <a:spcPct val="75000"/>
+              </a:lnSpc>
+              <a:spcBef>
+                <a:spcPts val="283"/>
+              </a:spcBef>
+              <a:spcAft>
+                <a:spcPts val="0"/>
+              </a:spcAft>
+              <a:defRPr/>
+            </a:pPr>
+            <a:r>
+              <a:rPr lang="fr-FR" sz="800" b="0" i="0" u="none" strike="noStrike" cap="none" spc="0">
+                <a:solidFill>
+                  <a:schemeClr val="tx1"/>
+                </a:solidFill>
+                <a:latin typeface="Arial"/>
+                <a:ea typeface="Arial"/>
+                <a:cs typeface="Arial"/>
+              </a:rPr>
+              <a:t>   4113  "Sciences sociales. Sociologie" .</a:t>
+            </a:r>
+            <a:endParaRPr sz="800" b="0" i="0" u="none" strike="noStrike" cap="none" spc="0">
+              <a:solidFill>
+                <a:schemeClr val="tx1"/>
+              </a:solidFill>
+              <a:latin typeface="Arial"/>
+              <a:cs typeface="Arial"/>
+            </a:endParaRPr>
+          </a:p>
+          <a:p>
+            <a:pPr algn="l">
+              <a:lnSpc>
+                <a:spcPct val="75000"/>
+              </a:lnSpc>
+              <a:spcBef>
+                <a:spcPts val="283"/>
+              </a:spcBef>
+              <a:spcAft>
+                <a:spcPts val="0"/>
+              </a:spcAft>
+              <a:defRPr/>
+            </a:pPr>
+            <a:r>
+              <a:rPr lang="fr-FR" sz="800" b="0" i="0" u="none" strike="noStrike" cap="none" spc="0">
+                <a:solidFill>
+                  <a:schemeClr val="tx1"/>
+                </a:solidFill>
+                <a:latin typeface="Arial"/>
+                <a:ea typeface="Arial"/>
+                <a:cs typeface="Arial"/>
+              </a:rPr>
+              <a:t>   2002  "Sports et jeux" .</a:t>
+            </a:r>
+            <a:endParaRPr sz="800" b="0" i="0" u="none" strike="noStrike" cap="none" spc="0">
+              <a:solidFill>
+                <a:schemeClr val="tx1"/>
+              </a:solidFill>
+              <a:latin typeface="Arial"/>
+              <a:cs typeface="Arial"/>
+            </a:endParaRPr>
+          </a:p>
+          <a:p>
+            <a:pPr lvl="0" algn="l">
+              <a:lnSpc>
+                <a:spcPct val="75000"/>
+              </a:lnSpc>
+              <a:spcBef>
+                <a:spcPts val="283"/>
+              </a:spcBef>
+              <a:spcAft>
+                <a:spcPts val="0"/>
+              </a:spcAft>
+              <a:defRPr/>
+            </a:pPr>
+            <a:r>
+              <a:rPr lang="fr-FR" sz="800" b="0" i="0" u="none" strike="noStrike" cap="none" spc="0">
+                <a:solidFill>
+                  <a:schemeClr val="tx1"/>
+                </a:solidFill>
+                <a:latin typeface="Arial"/>
+                <a:ea typeface="Arial"/>
+                <a:cs typeface="Arial"/>
+              </a:rPr>
+              <a:t>   1123  "Urbanisme. Architecture du paysage" .</a:t>
+            </a:r>
+            <a:endParaRPr/>
           </a:p>
         </p:txBody>
       </p:sp>
